--- a/20231201_class/클래스 개념.ver7.pptx
+++ b/20231201_class/클래스 개념.ver7.pptx
@@ -15319,8 +15319,8 @@
         </p:nvSpPr>
         <p:spPr>
           <a:xfrm>
-            <a:off x="5622877" y="4304247"/>
-            <a:ext cx="6297374" cy="1384995"/>
+            <a:off x="5622877" y="4400514"/>
+            <a:ext cx="6297374" cy="954107"/>
           </a:xfrm>
           <a:prstGeom prst="rect">
             <a:avLst/>
@@ -15366,21 +15366,7 @@
             <a:endParaRPr lang="en-US" altLang="ko-KR" sz="1400" dirty="0"/>
           </a:p>
           <a:p>
-            <a:pPr marL="285750" indent="-285750">
-              <a:buFont typeface="Arial" panose="020B0604020202020204" pitchFamily="34" charset="0"/>
-              <a:buChar char="•"/>
-            </a:pPr>
             <a:endParaRPr lang="en-US" altLang="ko-KR" sz="1400" dirty="0"/>
-          </a:p>
-          <a:p>
-            <a:pPr marL="285750" indent="-285750">
-              <a:buFont typeface="Arial" panose="020B0604020202020204" pitchFamily="34" charset="0"/>
-              <a:buChar char="•"/>
-            </a:pPr>
-            <a:r>
-              <a:rPr lang="ko-KR" altLang="en-US" sz="1400" dirty="0"/>
-              <a:t>가상 메서드를 지원하나 어떤 메서드를 호출 시 정적으로 호출되는 경우가 다수</a:t>
-            </a:r>
           </a:p>
         </p:txBody>
       </p:sp>
